--- a/HomeWork_1/Prezentation/Широтно-импульсный модулятор на ОУ.pptx
+++ b/HomeWork_1/Prezentation/Широтно-импульсный модулятор на ОУ.pptx
@@ -2,7 +2,7 @@
 <file path=ppt/presentation.xml><?xml version="1.0" encoding="utf-8"?>
 <p:presentation xmlns:a="http://schemas.openxmlformats.org/drawingml/2006/main" xmlns:r="http://schemas.openxmlformats.org/officeDocument/2006/relationships" xmlns:p="http://schemas.openxmlformats.org/presentationml/2006/main" saveSubsetFonts="1">
   <p:sldMasterIdLst>
-    <p:sldMasterId id="2147483648" r:id="rId1"/>
+    <p:sldMasterId id="2147483720" r:id="rId1"/>
   </p:sldMasterIdLst>
   <p:sldIdLst>
     <p:sldId id="256" r:id="rId2"/>
@@ -10,7 +10,11 @@
     <p:sldId id="258" r:id="rId4"/>
     <p:sldId id="259" r:id="rId5"/>
     <p:sldId id="260" r:id="rId6"/>
-    <p:sldId id="261" r:id="rId7"/>
+    <p:sldId id="264" r:id="rId7"/>
+    <p:sldId id="261" r:id="rId8"/>
+    <p:sldId id="262" r:id="rId9"/>
+    <p:sldId id="263" r:id="rId10"/>
+    <p:sldId id="265" r:id="rId11"/>
   </p:sldIdLst>
   <p:sldSz cx="12192000" cy="6858000"/>
   <p:notesSz cx="6858000" cy="9144000"/>
@@ -134,7 +138,7 @@
           <p:cNvPr id="2" name="Заголовок 1">
             <a:extLst>
               <a:ext uri="{FF2B5EF4-FFF2-40B4-BE49-F238E27FC236}">
-                <a16:creationId xmlns:a16="http://schemas.microsoft.com/office/drawing/2014/main" id="{85F2C5AA-9B6B-4986-B372-C49A38E8E77E}"/>
+                <a16:creationId xmlns:a16="http://schemas.microsoft.com/office/drawing/2014/main" id="{B993A048-88E7-43F2-BA69-3D6171CD0C76}"/>
               </a:ext>
             </a:extLst>
           </p:cNvPr>
@@ -171,7 +175,7 @@
           <p:cNvPr id="3" name="Подзаголовок 2">
             <a:extLst>
               <a:ext uri="{FF2B5EF4-FFF2-40B4-BE49-F238E27FC236}">
-                <a16:creationId xmlns:a16="http://schemas.microsoft.com/office/drawing/2014/main" id="{171676ED-D699-4758-86A5-DB711C37953E}"/>
+                <a16:creationId xmlns:a16="http://schemas.microsoft.com/office/drawing/2014/main" id="{883637CF-AB14-43E0-A2B9-7D6DFD0E4DEB}"/>
               </a:ext>
             </a:extLst>
           </p:cNvPr>
@@ -241,7 +245,7 @@
           <p:cNvPr id="4" name="Дата 3">
             <a:extLst>
               <a:ext uri="{FF2B5EF4-FFF2-40B4-BE49-F238E27FC236}">
-                <a16:creationId xmlns:a16="http://schemas.microsoft.com/office/drawing/2014/main" id="{5BBF6985-2341-4DA8-9257-E91248FC6062}"/>
+                <a16:creationId xmlns:a16="http://schemas.microsoft.com/office/drawing/2014/main" id="{461AC60E-6F14-4427-8CAE-BD155AEBA369}"/>
               </a:ext>
             </a:extLst>
           </p:cNvPr>
@@ -270,7 +274,7 @@
           <p:cNvPr id="5" name="Нижний колонтитул 4">
             <a:extLst>
               <a:ext uri="{FF2B5EF4-FFF2-40B4-BE49-F238E27FC236}">
-                <a16:creationId xmlns:a16="http://schemas.microsoft.com/office/drawing/2014/main" id="{B5129FCA-ED52-4099-8907-EF88BB269B40}"/>
+                <a16:creationId xmlns:a16="http://schemas.microsoft.com/office/drawing/2014/main" id="{4BF8EC84-B7EC-4A9B-AFB6-1678083B61E6}"/>
               </a:ext>
             </a:extLst>
           </p:cNvPr>
@@ -295,7 +299,7 @@
           <p:cNvPr id="6" name="Номер слайда 5">
             <a:extLst>
               <a:ext uri="{FF2B5EF4-FFF2-40B4-BE49-F238E27FC236}">
-                <a16:creationId xmlns:a16="http://schemas.microsoft.com/office/drawing/2014/main" id="{E20FEE0E-BA74-4EC2-9993-96AB7C18E660}"/>
+                <a16:creationId xmlns:a16="http://schemas.microsoft.com/office/drawing/2014/main" id="{F88C7EC8-6344-4627-A36E-684472EA2246}"/>
               </a:ext>
             </a:extLst>
           </p:cNvPr>
@@ -322,7 +326,7 @@
     </p:spTree>
     <p:extLst>
       <p:ext uri="{BB962C8B-B14F-4D97-AF65-F5344CB8AC3E}">
-        <p14:creationId xmlns:p14="http://schemas.microsoft.com/office/powerpoint/2010/main" val="4249290905"/>
+        <p14:creationId xmlns:p14="http://schemas.microsoft.com/office/powerpoint/2010/main" val="298080401"/>
       </p:ext>
     </p:extLst>
   </p:cSld>
@@ -354,7 +358,7 @@
           <p:cNvPr id="2" name="Заголовок 1">
             <a:extLst>
               <a:ext uri="{FF2B5EF4-FFF2-40B4-BE49-F238E27FC236}">
-                <a16:creationId xmlns:a16="http://schemas.microsoft.com/office/drawing/2014/main" id="{A0231D14-A317-45BF-86D7-C43020E78947}"/>
+                <a16:creationId xmlns:a16="http://schemas.microsoft.com/office/drawing/2014/main" id="{D46DFE87-47F4-4995-91A4-41E0258E7A30}"/>
               </a:ext>
             </a:extLst>
           </p:cNvPr>
@@ -382,7 +386,7 @@
           <p:cNvPr id="3" name="Вертикальный текст 2">
             <a:extLst>
               <a:ext uri="{FF2B5EF4-FFF2-40B4-BE49-F238E27FC236}">
-                <a16:creationId xmlns:a16="http://schemas.microsoft.com/office/drawing/2014/main" id="{3D9C46BB-50E4-4DFD-B9A7-BD23F92C9426}"/>
+                <a16:creationId xmlns:a16="http://schemas.microsoft.com/office/drawing/2014/main" id="{2E31A8C1-3C9F-470D-81DF-A1C457EFD439}"/>
               </a:ext>
             </a:extLst>
           </p:cNvPr>
@@ -439,7 +443,7 @@
           <p:cNvPr id="4" name="Дата 3">
             <a:extLst>
               <a:ext uri="{FF2B5EF4-FFF2-40B4-BE49-F238E27FC236}">
-                <a16:creationId xmlns:a16="http://schemas.microsoft.com/office/drawing/2014/main" id="{541C6C8A-E211-458C-B35A-199DB1A9D119}"/>
+                <a16:creationId xmlns:a16="http://schemas.microsoft.com/office/drawing/2014/main" id="{0862359E-8232-4F24-A298-1557679EB3A0}"/>
               </a:ext>
             </a:extLst>
           </p:cNvPr>
@@ -468,7 +472,7 @@
           <p:cNvPr id="5" name="Нижний колонтитул 4">
             <a:extLst>
               <a:ext uri="{FF2B5EF4-FFF2-40B4-BE49-F238E27FC236}">
-                <a16:creationId xmlns:a16="http://schemas.microsoft.com/office/drawing/2014/main" id="{3A9B1CDB-BCBE-4092-B1B5-3001033A1CFA}"/>
+                <a16:creationId xmlns:a16="http://schemas.microsoft.com/office/drawing/2014/main" id="{6B90FEE8-5471-45B8-AFAF-8118318B0162}"/>
               </a:ext>
             </a:extLst>
           </p:cNvPr>
@@ -493,7 +497,7 @@
           <p:cNvPr id="6" name="Номер слайда 5">
             <a:extLst>
               <a:ext uri="{FF2B5EF4-FFF2-40B4-BE49-F238E27FC236}">
-                <a16:creationId xmlns:a16="http://schemas.microsoft.com/office/drawing/2014/main" id="{07054B84-41D9-40A9-ADFB-D474B99F50B6}"/>
+                <a16:creationId xmlns:a16="http://schemas.microsoft.com/office/drawing/2014/main" id="{835513CA-6B0F-4039-9B8E-162C37F4996E}"/>
               </a:ext>
             </a:extLst>
           </p:cNvPr>
@@ -520,7 +524,7 @@
     </p:spTree>
     <p:extLst>
       <p:ext uri="{BB962C8B-B14F-4D97-AF65-F5344CB8AC3E}">
-        <p14:creationId xmlns:p14="http://schemas.microsoft.com/office/powerpoint/2010/main" val="164341136"/>
+        <p14:creationId xmlns:p14="http://schemas.microsoft.com/office/powerpoint/2010/main" val="3983840350"/>
       </p:ext>
     </p:extLst>
   </p:cSld>
@@ -552,7 +556,7 @@
           <p:cNvPr id="2" name="Вертикальный заголовок 1">
             <a:extLst>
               <a:ext uri="{FF2B5EF4-FFF2-40B4-BE49-F238E27FC236}">
-                <a16:creationId xmlns:a16="http://schemas.microsoft.com/office/drawing/2014/main" id="{833C2963-3521-41B6-A62D-41890E867417}"/>
+                <a16:creationId xmlns:a16="http://schemas.microsoft.com/office/drawing/2014/main" id="{A85674E6-C088-4DF0-A64F-9033A2526CB9}"/>
               </a:ext>
             </a:extLst>
           </p:cNvPr>
@@ -585,7 +589,7 @@
           <p:cNvPr id="3" name="Вертикальный текст 2">
             <a:extLst>
               <a:ext uri="{FF2B5EF4-FFF2-40B4-BE49-F238E27FC236}">
-                <a16:creationId xmlns:a16="http://schemas.microsoft.com/office/drawing/2014/main" id="{F6B4D693-B626-414A-8C20-0EAC13DBE6AF}"/>
+                <a16:creationId xmlns:a16="http://schemas.microsoft.com/office/drawing/2014/main" id="{365DDB53-C546-4B26-A7CB-15A3F8D4DAC5}"/>
               </a:ext>
             </a:extLst>
           </p:cNvPr>
@@ -647,7 +651,7 @@
           <p:cNvPr id="4" name="Дата 3">
             <a:extLst>
               <a:ext uri="{FF2B5EF4-FFF2-40B4-BE49-F238E27FC236}">
-                <a16:creationId xmlns:a16="http://schemas.microsoft.com/office/drawing/2014/main" id="{1C8C8696-7682-4EF6-BFEA-69DDCE84DBA6}"/>
+                <a16:creationId xmlns:a16="http://schemas.microsoft.com/office/drawing/2014/main" id="{90DEE2A9-B1C1-47B5-88FC-8E52962557F0}"/>
               </a:ext>
             </a:extLst>
           </p:cNvPr>
@@ -676,7 +680,7 @@
           <p:cNvPr id="5" name="Нижний колонтитул 4">
             <a:extLst>
               <a:ext uri="{FF2B5EF4-FFF2-40B4-BE49-F238E27FC236}">
-                <a16:creationId xmlns:a16="http://schemas.microsoft.com/office/drawing/2014/main" id="{7D081079-61F3-42A3-95C5-56B1F381B1CC}"/>
+                <a16:creationId xmlns:a16="http://schemas.microsoft.com/office/drawing/2014/main" id="{7332590C-1322-4238-9A9E-BDEA57D77053}"/>
               </a:ext>
             </a:extLst>
           </p:cNvPr>
@@ -701,7 +705,7 @@
           <p:cNvPr id="6" name="Номер слайда 5">
             <a:extLst>
               <a:ext uri="{FF2B5EF4-FFF2-40B4-BE49-F238E27FC236}">
-                <a16:creationId xmlns:a16="http://schemas.microsoft.com/office/drawing/2014/main" id="{76675744-B4C2-4239-A3F3-F035C85CCCB4}"/>
+                <a16:creationId xmlns:a16="http://schemas.microsoft.com/office/drawing/2014/main" id="{9B8B50D9-D9B3-44E4-BE27-74DEC0D4ABD3}"/>
               </a:ext>
             </a:extLst>
           </p:cNvPr>
@@ -728,7 +732,7 @@
     </p:spTree>
     <p:extLst>
       <p:ext uri="{BB962C8B-B14F-4D97-AF65-F5344CB8AC3E}">
-        <p14:creationId xmlns:p14="http://schemas.microsoft.com/office/powerpoint/2010/main" val="641994441"/>
+        <p14:creationId xmlns:p14="http://schemas.microsoft.com/office/powerpoint/2010/main" val="2921760087"/>
       </p:ext>
     </p:extLst>
   </p:cSld>
@@ -760,7 +764,7 @@
           <p:cNvPr id="2" name="Заголовок 1">
             <a:extLst>
               <a:ext uri="{FF2B5EF4-FFF2-40B4-BE49-F238E27FC236}">
-                <a16:creationId xmlns:a16="http://schemas.microsoft.com/office/drawing/2014/main" id="{3B279FB3-AB7B-4E9B-9FCB-5F209400BFA1}"/>
+                <a16:creationId xmlns:a16="http://schemas.microsoft.com/office/drawing/2014/main" id="{FB15B26E-7DBD-48DB-9886-676BB74683DF}"/>
               </a:ext>
             </a:extLst>
           </p:cNvPr>
@@ -788,7 +792,7 @@
           <p:cNvPr id="3" name="Объект 2">
             <a:extLst>
               <a:ext uri="{FF2B5EF4-FFF2-40B4-BE49-F238E27FC236}">
-                <a16:creationId xmlns:a16="http://schemas.microsoft.com/office/drawing/2014/main" id="{FAAB3595-4B71-4BA0-A150-DF3506FDA508}"/>
+                <a16:creationId xmlns:a16="http://schemas.microsoft.com/office/drawing/2014/main" id="{266DFE29-BC30-4B43-8ADD-DDC30A1EEED4}"/>
               </a:ext>
             </a:extLst>
           </p:cNvPr>
@@ -845,7 +849,7 @@
           <p:cNvPr id="4" name="Дата 3">
             <a:extLst>
               <a:ext uri="{FF2B5EF4-FFF2-40B4-BE49-F238E27FC236}">
-                <a16:creationId xmlns:a16="http://schemas.microsoft.com/office/drawing/2014/main" id="{2A6B7FA4-CEF1-47D5-B445-8F3E2AE93CF7}"/>
+                <a16:creationId xmlns:a16="http://schemas.microsoft.com/office/drawing/2014/main" id="{AE071126-D8E8-4B14-A16F-B3359A50BD89}"/>
               </a:ext>
             </a:extLst>
           </p:cNvPr>
@@ -874,7 +878,7 @@
           <p:cNvPr id="5" name="Нижний колонтитул 4">
             <a:extLst>
               <a:ext uri="{FF2B5EF4-FFF2-40B4-BE49-F238E27FC236}">
-                <a16:creationId xmlns:a16="http://schemas.microsoft.com/office/drawing/2014/main" id="{60A5DC36-5C9A-4139-A487-8356CF860D4B}"/>
+                <a16:creationId xmlns:a16="http://schemas.microsoft.com/office/drawing/2014/main" id="{B7C3F74F-16D6-4F06-864B-E184EAC35D9D}"/>
               </a:ext>
             </a:extLst>
           </p:cNvPr>
@@ -899,7 +903,7 @@
           <p:cNvPr id="6" name="Номер слайда 5">
             <a:extLst>
               <a:ext uri="{FF2B5EF4-FFF2-40B4-BE49-F238E27FC236}">
-                <a16:creationId xmlns:a16="http://schemas.microsoft.com/office/drawing/2014/main" id="{1DE8E9BB-9CE9-4EB3-BC8C-37686A2D5B38}"/>
+                <a16:creationId xmlns:a16="http://schemas.microsoft.com/office/drawing/2014/main" id="{D37A5000-0958-454F-A39A-3ED77B7979BC}"/>
               </a:ext>
             </a:extLst>
           </p:cNvPr>
@@ -926,7 +930,7 @@
     </p:spTree>
     <p:extLst>
       <p:ext uri="{BB962C8B-B14F-4D97-AF65-F5344CB8AC3E}">
-        <p14:creationId xmlns:p14="http://schemas.microsoft.com/office/powerpoint/2010/main" val="156431123"/>
+        <p14:creationId xmlns:p14="http://schemas.microsoft.com/office/powerpoint/2010/main" val="4066878051"/>
       </p:ext>
     </p:extLst>
   </p:cSld>
@@ -958,7 +962,7 @@
           <p:cNvPr id="2" name="Заголовок 1">
             <a:extLst>
               <a:ext uri="{FF2B5EF4-FFF2-40B4-BE49-F238E27FC236}">
-                <a16:creationId xmlns:a16="http://schemas.microsoft.com/office/drawing/2014/main" id="{12D487D5-7ADA-4E5B-A91A-37E2EBFB1D6E}"/>
+                <a16:creationId xmlns:a16="http://schemas.microsoft.com/office/drawing/2014/main" id="{5179E089-E9A9-4AF3-8B48-F823DEDD7D2C}"/>
               </a:ext>
             </a:extLst>
           </p:cNvPr>
@@ -995,7 +999,7 @@
           <p:cNvPr id="3" name="Текст 2">
             <a:extLst>
               <a:ext uri="{FF2B5EF4-FFF2-40B4-BE49-F238E27FC236}">
-                <a16:creationId xmlns:a16="http://schemas.microsoft.com/office/drawing/2014/main" id="{71896A1B-B0F7-42C3-A3AB-B4A8376AAB15}"/>
+                <a16:creationId xmlns:a16="http://schemas.microsoft.com/office/drawing/2014/main" id="{E33EF0B5-1105-484B-87FB-5EF3D4133655}"/>
               </a:ext>
             </a:extLst>
           </p:cNvPr>
@@ -1120,7 +1124,7 @@
           <p:cNvPr id="4" name="Дата 3">
             <a:extLst>
               <a:ext uri="{FF2B5EF4-FFF2-40B4-BE49-F238E27FC236}">
-                <a16:creationId xmlns:a16="http://schemas.microsoft.com/office/drawing/2014/main" id="{00674658-BC7B-4A5D-A887-FED49C5A138E}"/>
+                <a16:creationId xmlns:a16="http://schemas.microsoft.com/office/drawing/2014/main" id="{80DFF69E-3435-4589-AC43-84B0BDEA4A51}"/>
               </a:ext>
             </a:extLst>
           </p:cNvPr>
@@ -1149,7 +1153,7 @@
           <p:cNvPr id="5" name="Нижний колонтитул 4">
             <a:extLst>
               <a:ext uri="{FF2B5EF4-FFF2-40B4-BE49-F238E27FC236}">
-                <a16:creationId xmlns:a16="http://schemas.microsoft.com/office/drawing/2014/main" id="{0CADCE36-28E9-4B16-89F7-B30A74D00C75}"/>
+                <a16:creationId xmlns:a16="http://schemas.microsoft.com/office/drawing/2014/main" id="{895A22AD-C6CF-4FCF-BC26-D27BC416187C}"/>
               </a:ext>
             </a:extLst>
           </p:cNvPr>
@@ -1174,7 +1178,7 @@
           <p:cNvPr id="6" name="Номер слайда 5">
             <a:extLst>
               <a:ext uri="{FF2B5EF4-FFF2-40B4-BE49-F238E27FC236}">
-                <a16:creationId xmlns:a16="http://schemas.microsoft.com/office/drawing/2014/main" id="{D2209996-E1F5-403C-A110-61853E1C2727}"/>
+                <a16:creationId xmlns:a16="http://schemas.microsoft.com/office/drawing/2014/main" id="{5A7B800F-E153-4A66-9A76-2E1878A2A47E}"/>
               </a:ext>
             </a:extLst>
           </p:cNvPr>
@@ -1201,7 +1205,7 @@
     </p:spTree>
     <p:extLst>
       <p:ext uri="{BB962C8B-B14F-4D97-AF65-F5344CB8AC3E}">
-        <p14:creationId xmlns:p14="http://schemas.microsoft.com/office/powerpoint/2010/main" val="3069793643"/>
+        <p14:creationId xmlns:p14="http://schemas.microsoft.com/office/powerpoint/2010/main" val="2163452252"/>
       </p:ext>
     </p:extLst>
   </p:cSld>
@@ -1233,7 +1237,7 @@
           <p:cNvPr id="2" name="Заголовок 1">
             <a:extLst>
               <a:ext uri="{FF2B5EF4-FFF2-40B4-BE49-F238E27FC236}">
-                <a16:creationId xmlns:a16="http://schemas.microsoft.com/office/drawing/2014/main" id="{BE43AA00-DFB9-4C16-87D1-BD71CEF08167}"/>
+                <a16:creationId xmlns:a16="http://schemas.microsoft.com/office/drawing/2014/main" id="{6AA6FBFA-3B24-4C03-92D9-52E8433DDEA3}"/>
               </a:ext>
             </a:extLst>
           </p:cNvPr>
@@ -1261,7 +1265,7 @@
           <p:cNvPr id="3" name="Объект 2">
             <a:extLst>
               <a:ext uri="{FF2B5EF4-FFF2-40B4-BE49-F238E27FC236}">
-                <a16:creationId xmlns:a16="http://schemas.microsoft.com/office/drawing/2014/main" id="{0A40327B-03E5-40D8-A804-0B9CB716E1D0}"/>
+                <a16:creationId xmlns:a16="http://schemas.microsoft.com/office/drawing/2014/main" id="{17CF8DF5-0C8A-4C8C-8F7E-52B1051E1172}"/>
               </a:ext>
             </a:extLst>
           </p:cNvPr>
@@ -1323,7 +1327,7 @@
           <p:cNvPr id="4" name="Объект 3">
             <a:extLst>
               <a:ext uri="{FF2B5EF4-FFF2-40B4-BE49-F238E27FC236}">
-                <a16:creationId xmlns:a16="http://schemas.microsoft.com/office/drawing/2014/main" id="{427DF17E-9815-4710-8D1C-96BDC397A0B5}"/>
+                <a16:creationId xmlns:a16="http://schemas.microsoft.com/office/drawing/2014/main" id="{5567A9D9-995E-4812-BBEE-B2ADB3D1F00C}"/>
               </a:ext>
             </a:extLst>
           </p:cNvPr>
@@ -1385,7 +1389,7 @@
           <p:cNvPr id="5" name="Дата 4">
             <a:extLst>
               <a:ext uri="{FF2B5EF4-FFF2-40B4-BE49-F238E27FC236}">
-                <a16:creationId xmlns:a16="http://schemas.microsoft.com/office/drawing/2014/main" id="{3D7336C1-AE19-428F-B969-EA0336854FD8}"/>
+                <a16:creationId xmlns:a16="http://schemas.microsoft.com/office/drawing/2014/main" id="{E6BAA623-91EE-47D6-8F79-C865257F91BA}"/>
               </a:ext>
             </a:extLst>
           </p:cNvPr>
@@ -1414,7 +1418,7 @@
           <p:cNvPr id="6" name="Нижний колонтитул 5">
             <a:extLst>
               <a:ext uri="{FF2B5EF4-FFF2-40B4-BE49-F238E27FC236}">
-                <a16:creationId xmlns:a16="http://schemas.microsoft.com/office/drawing/2014/main" id="{AEE9297D-C076-429E-AA72-642E9BD4AE71}"/>
+                <a16:creationId xmlns:a16="http://schemas.microsoft.com/office/drawing/2014/main" id="{C1305361-7CBF-45B7-8E06-5C35F5C85FBB}"/>
               </a:ext>
             </a:extLst>
           </p:cNvPr>
@@ -1439,7 +1443,7 @@
           <p:cNvPr id="7" name="Номер слайда 6">
             <a:extLst>
               <a:ext uri="{FF2B5EF4-FFF2-40B4-BE49-F238E27FC236}">
-                <a16:creationId xmlns:a16="http://schemas.microsoft.com/office/drawing/2014/main" id="{5FBA59CF-112E-40B2-A309-2F8F7109BA67}"/>
+                <a16:creationId xmlns:a16="http://schemas.microsoft.com/office/drawing/2014/main" id="{414265F0-F9B0-447A-9C2B-6D127ECD43E0}"/>
               </a:ext>
             </a:extLst>
           </p:cNvPr>
@@ -1466,13 +1470,18 @@
     </p:spTree>
     <p:extLst>
       <p:ext uri="{BB962C8B-B14F-4D97-AF65-F5344CB8AC3E}">
-        <p14:creationId xmlns:p14="http://schemas.microsoft.com/office/powerpoint/2010/main" val="1748161197"/>
+        <p14:creationId xmlns:p14="http://schemas.microsoft.com/office/powerpoint/2010/main" val="478168032"/>
       </p:ext>
     </p:extLst>
   </p:cSld>
   <p:clrMapOvr>
     <a:masterClrMapping/>
   </p:clrMapOvr>
+  <p:extLst>
+    <p:ext uri="{DCECCB84-F9BA-43D5-87BE-67443E8EF086}">
+      <p15:sldGuideLst xmlns:p15="http://schemas.microsoft.com/office/powerpoint/2012/main"/>
+    </p:ext>
+  </p:extLst>
 </p:sldLayout>
 </file>
 
@@ -1498,7 +1507,7 @@
           <p:cNvPr id="2" name="Заголовок 1">
             <a:extLst>
               <a:ext uri="{FF2B5EF4-FFF2-40B4-BE49-F238E27FC236}">
-                <a16:creationId xmlns:a16="http://schemas.microsoft.com/office/drawing/2014/main" id="{CFB787A4-7D9B-48DB-9EFE-897BBE75434B}"/>
+                <a16:creationId xmlns:a16="http://schemas.microsoft.com/office/drawing/2014/main" id="{74CE6850-C38C-42FE-9DFC-85748E952BD4}"/>
               </a:ext>
             </a:extLst>
           </p:cNvPr>
@@ -1531,7 +1540,7 @@
           <p:cNvPr id="3" name="Текст 2">
             <a:extLst>
               <a:ext uri="{FF2B5EF4-FFF2-40B4-BE49-F238E27FC236}">
-                <a16:creationId xmlns:a16="http://schemas.microsoft.com/office/drawing/2014/main" id="{E0BFA21A-EFF1-45BD-8DB1-4324A467E3C1}"/>
+                <a16:creationId xmlns:a16="http://schemas.microsoft.com/office/drawing/2014/main" id="{03227CE9-46A5-480D-A315-8FDE579BE530}"/>
               </a:ext>
             </a:extLst>
           </p:cNvPr>
@@ -1602,7 +1611,7 @@
           <p:cNvPr id="4" name="Объект 3">
             <a:extLst>
               <a:ext uri="{FF2B5EF4-FFF2-40B4-BE49-F238E27FC236}">
-                <a16:creationId xmlns:a16="http://schemas.microsoft.com/office/drawing/2014/main" id="{64EE55A5-9BAD-423D-B287-4A589E1091F7}"/>
+                <a16:creationId xmlns:a16="http://schemas.microsoft.com/office/drawing/2014/main" id="{5698E2E2-C8BA-4A47-BB7D-A8E645D3B8CF}"/>
               </a:ext>
             </a:extLst>
           </p:cNvPr>
@@ -1664,7 +1673,7 @@
           <p:cNvPr id="5" name="Текст 4">
             <a:extLst>
               <a:ext uri="{FF2B5EF4-FFF2-40B4-BE49-F238E27FC236}">
-                <a16:creationId xmlns:a16="http://schemas.microsoft.com/office/drawing/2014/main" id="{2930572E-B6DA-417B-A3EF-AF5B77602736}"/>
+                <a16:creationId xmlns:a16="http://schemas.microsoft.com/office/drawing/2014/main" id="{BD91DA6B-26D5-4340-A26A-483D21BB028D}"/>
               </a:ext>
             </a:extLst>
           </p:cNvPr>
@@ -1735,7 +1744,7 @@
           <p:cNvPr id="6" name="Объект 5">
             <a:extLst>
               <a:ext uri="{FF2B5EF4-FFF2-40B4-BE49-F238E27FC236}">
-                <a16:creationId xmlns:a16="http://schemas.microsoft.com/office/drawing/2014/main" id="{60E18A77-703D-449E-ABEA-81ECB64AD755}"/>
+                <a16:creationId xmlns:a16="http://schemas.microsoft.com/office/drawing/2014/main" id="{049BB3E1-D2B6-4158-8570-C2B7FAF0FD9B}"/>
               </a:ext>
             </a:extLst>
           </p:cNvPr>
@@ -1797,7 +1806,7 @@
           <p:cNvPr id="7" name="Дата 6">
             <a:extLst>
               <a:ext uri="{FF2B5EF4-FFF2-40B4-BE49-F238E27FC236}">
-                <a16:creationId xmlns:a16="http://schemas.microsoft.com/office/drawing/2014/main" id="{FAB66E5C-E5C4-4CE5-AC95-D73A5A5E70DD}"/>
+                <a16:creationId xmlns:a16="http://schemas.microsoft.com/office/drawing/2014/main" id="{407D46B1-2E35-40D1-8BF5-2E35F2B848EE}"/>
               </a:ext>
             </a:extLst>
           </p:cNvPr>
@@ -1826,7 +1835,7 @@
           <p:cNvPr id="8" name="Нижний колонтитул 7">
             <a:extLst>
               <a:ext uri="{FF2B5EF4-FFF2-40B4-BE49-F238E27FC236}">
-                <a16:creationId xmlns:a16="http://schemas.microsoft.com/office/drawing/2014/main" id="{05DEE837-7E64-4DFF-93C6-34F09143961C}"/>
+                <a16:creationId xmlns:a16="http://schemas.microsoft.com/office/drawing/2014/main" id="{423640FE-0A13-4754-A031-AA10F538D578}"/>
               </a:ext>
             </a:extLst>
           </p:cNvPr>
@@ -1851,7 +1860,7 @@
           <p:cNvPr id="9" name="Номер слайда 8">
             <a:extLst>
               <a:ext uri="{FF2B5EF4-FFF2-40B4-BE49-F238E27FC236}">
-                <a16:creationId xmlns:a16="http://schemas.microsoft.com/office/drawing/2014/main" id="{347C4072-E9BC-4CA4-8A1B-0B2975E0DB09}"/>
+                <a16:creationId xmlns:a16="http://schemas.microsoft.com/office/drawing/2014/main" id="{0F5C7DDD-CD09-48D7-80FB-AB4B3CCAE8B2}"/>
               </a:ext>
             </a:extLst>
           </p:cNvPr>
@@ -1878,13 +1887,18 @@
     </p:spTree>
     <p:extLst>
       <p:ext uri="{BB962C8B-B14F-4D97-AF65-F5344CB8AC3E}">
-        <p14:creationId xmlns:p14="http://schemas.microsoft.com/office/powerpoint/2010/main" val="1080376909"/>
+        <p14:creationId xmlns:p14="http://schemas.microsoft.com/office/powerpoint/2010/main" val="2769558897"/>
       </p:ext>
     </p:extLst>
   </p:cSld>
   <p:clrMapOvr>
     <a:masterClrMapping/>
   </p:clrMapOvr>
+  <p:extLst>
+    <p:ext uri="{DCECCB84-F9BA-43D5-87BE-67443E8EF086}">
+      <p15:sldGuideLst xmlns:p15="http://schemas.microsoft.com/office/powerpoint/2012/main"/>
+    </p:ext>
+  </p:extLst>
 </p:sldLayout>
 </file>
 
@@ -1910,7 +1924,7 @@
           <p:cNvPr id="2" name="Заголовок 1">
             <a:extLst>
               <a:ext uri="{FF2B5EF4-FFF2-40B4-BE49-F238E27FC236}">
-                <a16:creationId xmlns:a16="http://schemas.microsoft.com/office/drawing/2014/main" id="{2BD49A0A-82D6-4322-B32F-F02E0B2020BD}"/>
+                <a16:creationId xmlns:a16="http://schemas.microsoft.com/office/drawing/2014/main" id="{72D057CB-083B-44C9-959E-1AA0834CD9B0}"/>
               </a:ext>
             </a:extLst>
           </p:cNvPr>
@@ -1938,7 +1952,7 @@
           <p:cNvPr id="3" name="Дата 2">
             <a:extLst>
               <a:ext uri="{FF2B5EF4-FFF2-40B4-BE49-F238E27FC236}">
-                <a16:creationId xmlns:a16="http://schemas.microsoft.com/office/drawing/2014/main" id="{F7D52104-0FE8-4CC7-BAFF-46D0B20D6925}"/>
+                <a16:creationId xmlns:a16="http://schemas.microsoft.com/office/drawing/2014/main" id="{3FA3A998-8835-472B-81CD-E7D6CA74C4B9}"/>
               </a:ext>
             </a:extLst>
           </p:cNvPr>
@@ -1967,7 +1981,7 @@
           <p:cNvPr id="4" name="Нижний колонтитул 3">
             <a:extLst>
               <a:ext uri="{FF2B5EF4-FFF2-40B4-BE49-F238E27FC236}">
-                <a16:creationId xmlns:a16="http://schemas.microsoft.com/office/drawing/2014/main" id="{DE366545-3DEF-4EEC-9518-8781F30CB0E8}"/>
+                <a16:creationId xmlns:a16="http://schemas.microsoft.com/office/drawing/2014/main" id="{E03F46B4-94A4-4925-A8BA-661B3E754CA0}"/>
               </a:ext>
             </a:extLst>
           </p:cNvPr>
@@ -1992,7 +2006,7 @@
           <p:cNvPr id="5" name="Номер слайда 4">
             <a:extLst>
               <a:ext uri="{FF2B5EF4-FFF2-40B4-BE49-F238E27FC236}">
-                <a16:creationId xmlns:a16="http://schemas.microsoft.com/office/drawing/2014/main" id="{E3BC5179-4798-4F54-93C1-F5419B3D60F3}"/>
+                <a16:creationId xmlns:a16="http://schemas.microsoft.com/office/drawing/2014/main" id="{2B801CD9-E0A3-482C-9D1B-C3216E877AAA}"/>
               </a:ext>
             </a:extLst>
           </p:cNvPr>
@@ -2019,7 +2033,7 @@
     </p:spTree>
     <p:extLst>
       <p:ext uri="{BB962C8B-B14F-4D97-AF65-F5344CB8AC3E}">
-        <p14:creationId xmlns:p14="http://schemas.microsoft.com/office/powerpoint/2010/main" val="2613510068"/>
+        <p14:creationId xmlns:p14="http://schemas.microsoft.com/office/powerpoint/2010/main" val="4122960437"/>
       </p:ext>
     </p:extLst>
   </p:cSld>
@@ -2051,7 +2065,7 @@
           <p:cNvPr id="2" name="Дата 1">
             <a:extLst>
               <a:ext uri="{FF2B5EF4-FFF2-40B4-BE49-F238E27FC236}">
-                <a16:creationId xmlns:a16="http://schemas.microsoft.com/office/drawing/2014/main" id="{B7F4A68E-840B-483C-8CA0-A3791F20E901}"/>
+                <a16:creationId xmlns:a16="http://schemas.microsoft.com/office/drawing/2014/main" id="{9A32C5E8-0C9D-420A-B5D1-9258075FDB91}"/>
               </a:ext>
             </a:extLst>
           </p:cNvPr>
@@ -2080,7 +2094,7 @@
           <p:cNvPr id="3" name="Нижний колонтитул 2">
             <a:extLst>
               <a:ext uri="{FF2B5EF4-FFF2-40B4-BE49-F238E27FC236}">
-                <a16:creationId xmlns:a16="http://schemas.microsoft.com/office/drawing/2014/main" id="{78973865-D6B8-4B14-9BD7-2DDB5B733721}"/>
+                <a16:creationId xmlns:a16="http://schemas.microsoft.com/office/drawing/2014/main" id="{5E958F4E-40AE-4ACE-ACF8-001012A7EBA5}"/>
               </a:ext>
             </a:extLst>
           </p:cNvPr>
@@ -2105,7 +2119,7 @@
           <p:cNvPr id="4" name="Номер слайда 3">
             <a:extLst>
               <a:ext uri="{FF2B5EF4-FFF2-40B4-BE49-F238E27FC236}">
-                <a16:creationId xmlns:a16="http://schemas.microsoft.com/office/drawing/2014/main" id="{5502DF19-9FA5-403F-AFC4-C8636A60E448}"/>
+                <a16:creationId xmlns:a16="http://schemas.microsoft.com/office/drawing/2014/main" id="{D5667D4E-8B99-4840-87BD-EE1132D143D1}"/>
               </a:ext>
             </a:extLst>
           </p:cNvPr>
@@ -2132,7 +2146,7 @@
     </p:spTree>
     <p:extLst>
       <p:ext uri="{BB962C8B-B14F-4D97-AF65-F5344CB8AC3E}">
-        <p14:creationId xmlns:p14="http://schemas.microsoft.com/office/powerpoint/2010/main" val="2275275536"/>
+        <p14:creationId xmlns:p14="http://schemas.microsoft.com/office/powerpoint/2010/main" val="3910435508"/>
       </p:ext>
     </p:extLst>
   </p:cSld>
@@ -2164,7 +2178,7 @@
           <p:cNvPr id="2" name="Заголовок 1">
             <a:extLst>
               <a:ext uri="{FF2B5EF4-FFF2-40B4-BE49-F238E27FC236}">
-                <a16:creationId xmlns:a16="http://schemas.microsoft.com/office/drawing/2014/main" id="{1F54E285-81DB-4545-A26A-FA0D73003193}"/>
+                <a16:creationId xmlns:a16="http://schemas.microsoft.com/office/drawing/2014/main" id="{327421FA-67F9-4297-9411-BF3C2965DC23}"/>
               </a:ext>
             </a:extLst>
           </p:cNvPr>
@@ -2201,7 +2215,7 @@
           <p:cNvPr id="3" name="Объект 2">
             <a:extLst>
               <a:ext uri="{FF2B5EF4-FFF2-40B4-BE49-F238E27FC236}">
-                <a16:creationId xmlns:a16="http://schemas.microsoft.com/office/drawing/2014/main" id="{06EECB95-1C74-4194-9530-E84F34FC7E61}"/>
+                <a16:creationId xmlns:a16="http://schemas.microsoft.com/office/drawing/2014/main" id="{51BF1BB1-2170-4602-AB3F-12E61824F886}"/>
               </a:ext>
             </a:extLst>
           </p:cNvPr>
@@ -2291,7 +2305,7 @@
           <p:cNvPr id="4" name="Текст 3">
             <a:extLst>
               <a:ext uri="{FF2B5EF4-FFF2-40B4-BE49-F238E27FC236}">
-                <a16:creationId xmlns:a16="http://schemas.microsoft.com/office/drawing/2014/main" id="{FAC8ACC4-6D8C-44C4-939B-922094899DC4}"/>
+                <a16:creationId xmlns:a16="http://schemas.microsoft.com/office/drawing/2014/main" id="{35F487EF-E132-4737-9FF0-8172E2BF1BF9}"/>
               </a:ext>
             </a:extLst>
           </p:cNvPr>
@@ -2362,7 +2376,7 @@
           <p:cNvPr id="5" name="Дата 4">
             <a:extLst>
               <a:ext uri="{FF2B5EF4-FFF2-40B4-BE49-F238E27FC236}">
-                <a16:creationId xmlns:a16="http://schemas.microsoft.com/office/drawing/2014/main" id="{9224CC5B-0FDF-4C06-8D5A-09B30B5CD267}"/>
+                <a16:creationId xmlns:a16="http://schemas.microsoft.com/office/drawing/2014/main" id="{2419105A-46F4-45EE-85E1-AE8958C0965E}"/>
               </a:ext>
             </a:extLst>
           </p:cNvPr>
@@ -2391,7 +2405,7 @@
           <p:cNvPr id="6" name="Нижний колонтитул 5">
             <a:extLst>
               <a:ext uri="{FF2B5EF4-FFF2-40B4-BE49-F238E27FC236}">
-                <a16:creationId xmlns:a16="http://schemas.microsoft.com/office/drawing/2014/main" id="{345BFF8E-027F-45FA-AFC6-B3336073B0CC}"/>
+                <a16:creationId xmlns:a16="http://schemas.microsoft.com/office/drawing/2014/main" id="{88CEE949-0F02-4A45-AE59-7BE631059C31}"/>
               </a:ext>
             </a:extLst>
           </p:cNvPr>
@@ -2416,7 +2430,7 @@
           <p:cNvPr id="7" name="Номер слайда 6">
             <a:extLst>
               <a:ext uri="{FF2B5EF4-FFF2-40B4-BE49-F238E27FC236}">
-                <a16:creationId xmlns:a16="http://schemas.microsoft.com/office/drawing/2014/main" id="{ECA8214A-BB32-418A-B480-DC31FEA7A96E}"/>
+                <a16:creationId xmlns:a16="http://schemas.microsoft.com/office/drawing/2014/main" id="{7CBD6998-7B54-4A4E-A64F-59528FFC551D}"/>
               </a:ext>
             </a:extLst>
           </p:cNvPr>
@@ -2443,13 +2457,18 @@
     </p:spTree>
     <p:extLst>
       <p:ext uri="{BB962C8B-B14F-4D97-AF65-F5344CB8AC3E}">
-        <p14:creationId xmlns:p14="http://schemas.microsoft.com/office/powerpoint/2010/main" val="713073024"/>
+        <p14:creationId xmlns:p14="http://schemas.microsoft.com/office/powerpoint/2010/main" val="299350637"/>
       </p:ext>
     </p:extLst>
   </p:cSld>
   <p:clrMapOvr>
     <a:masterClrMapping/>
   </p:clrMapOvr>
+  <p:extLst>
+    <p:ext uri="{DCECCB84-F9BA-43D5-87BE-67443E8EF086}">
+      <p15:sldGuideLst xmlns:p15="http://schemas.microsoft.com/office/powerpoint/2012/main"/>
+    </p:ext>
+  </p:extLst>
 </p:sldLayout>
 </file>
 
@@ -2475,7 +2494,7 @@
           <p:cNvPr id="2" name="Заголовок 1">
             <a:extLst>
               <a:ext uri="{FF2B5EF4-FFF2-40B4-BE49-F238E27FC236}">
-                <a16:creationId xmlns:a16="http://schemas.microsoft.com/office/drawing/2014/main" id="{D0855D6E-E461-48AF-8354-539847D47538}"/>
+                <a16:creationId xmlns:a16="http://schemas.microsoft.com/office/drawing/2014/main" id="{0F991EA3-5A8F-4749-A318-E91ECCE29BFA}"/>
               </a:ext>
             </a:extLst>
           </p:cNvPr>
@@ -2512,7 +2531,7 @@
           <p:cNvPr id="3" name="Рисунок 2">
             <a:extLst>
               <a:ext uri="{FF2B5EF4-FFF2-40B4-BE49-F238E27FC236}">
-                <a16:creationId xmlns:a16="http://schemas.microsoft.com/office/drawing/2014/main" id="{9BA8122A-D8CA-48C4-9B8C-BCFB4CB86043}"/>
+                <a16:creationId xmlns:a16="http://schemas.microsoft.com/office/drawing/2014/main" id="{FBF9A15E-5E03-4D41-8F94-492D0F2B17F5}"/>
               </a:ext>
             </a:extLst>
           </p:cNvPr>
@@ -2579,7 +2598,7 @@
           <p:cNvPr id="4" name="Текст 3">
             <a:extLst>
               <a:ext uri="{FF2B5EF4-FFF2-40B4-BE49-F238E27FC236}">
-                <a16:creationId xmlns:a16="http://schemas.microsoft.com/office/drawing/2014/main" id="{148F4C05-3C08-4ECE-BF59-D9506F655FAC}"/>
+                <a16:creationId xmlns:a16="http://schemas.microsoft.com/office/drawing/2014/main" id="{751E443B-65C9-4B9B-B24E-B8D6266D1718}"/>
               </a:ext>
             </a:extLst>
           </p:cNvPr>
@@ -2650,7 +2669,7 @@
           <p:cNvPr id="5" name="Дата 4">
             <a:extLst>
               <a:ext uri="{FF2B5EF4-FFF2-40B4-BE49-F238E27FC236}">
-                <a16:creationId xmlns:a16="http://schemas.microsoft.com/office/drawing/2014/main" id="{63E11416-3D52-45D2-AC93-D3FDEDDCD322}"/>
+                <a16:creationId xmlns:a16="http://schemas.microsoft.com/office/drawing/2014/main" id="{25F09352-B3BF-477A-8FE8-97479B1AD3F9}"/>
               </a:ext>
             </a:extLst>
           </p:cNvPr>
@@ -2679,7 +2698,7 @@
           <p:cNvPr id="6" name="Нижний колонтитул 5">
             <a:extLst>
               <a:ext uri="{FF2B5EF4-FFF2-40B4-BE49-F238E27FC236}">
-                <a16:creationId xmlns:a16="http://schemas.microsoft.com/office/drawing/2014/main" id="{341E6C95-0291-48D9-9394-6BF16E71B23B}"/>
+                <a16:creationId xmlns:a16="http://schemas.microsoft.com/office/drawing/2014/main" id="{E1C3FFA3-C86E-4278-9F7D-54BD9F370F24}"/>
               </a:ext>
             </a:extLst>
           </p:cNvPr>
@@ -2704,7 +2723,7 @@
           <p:cNvPr id="7" name="Номер слайда 6">
             <a:extLst>
               <a:ext uri="{FF2B5EF4-FFF2-40B4-BE49-F238E27FC236}">
-                <a16:creationId xmlns:a16="http://schemas.microsoft.com/office/drawing/2014/main" id="{26ADADE5-C39C-4D1D-ADE5-217F3B7C7F1B}"/>
+                <a16:creationId xmlns:a16="http://schemas.microsoft.com/office/drawing/2014/main" id="{61287CA5-88C4-4E77-966A-11EA9BA4DF09}"/>
               </a:ext>
             </a:extLst>
           </p:cNvPr>
@@ -2731,7 +2750,7 @@
     </p:spTree>
     <p:extLst>
       <p:ext uri="{BB962C8B-B14F-4D97-AF65-F5344CB8AC3E}">
-        <p14:creationId xmlns:p14="http://schemas.microsoft.com/office/powerpoint/2010/main" val="3656417127"/>
+        <p14:creationId xmlns:p14="http://schemas.microsoft.com/office/powerpoint/2010/main" val="2073526820"/>
       </p:ext>
     </p:extLst>
   </p:cSld>
@@ -2768,7 +2787,7 @@
           <p:cNvPr id="2" name="Заголовок 1">
             <a:extLst>
               <a:ext uri="{FF2B5EF4-FFF2-40B4-BE49-F238E27FC236}">
-                <a16:creationId xmlns:a16="http://schemas.microsoft.com/office/drawing/2014/main" id="{04BBA9A5-C8E1-48A8-89E0-FF4442673A20}"/>
+                <a16:creationId xmlns:a16="http://schemas.microsoft.com/office/drawing/2014/main" id="{875005FA-D2C5-4F74-AE5B-B0C849D967A3}"/>
               </a:ext>
             </a:extLst>
           </p:cNvPr>
@@ -2806,7 +2825,7 @@
           <p:cNvPr id="3" name="Текст 2">
             <a:extLst>
               <a:ext uri="{FF2B5EF4-FFF2-40B4-BE49-F238E27FC236}">
-                <a16:creationId xmlns:a16="http://schemas.microsoft.com/office/drawing/2014/main" id="{5EF2DB96-EDBD-4E42-B139-BA72F181AF73}"/>
+                <a16:creationId xmlns:a16="http://schemas.microsoft.com/office/drawing/2014/main" id="{9B2DD5A4-2880-44D7-B2AF-11BCC5052E69}"/>
               </a:ext>
             </a:extLst>
           </p:cNvPr>
@@ -2873,7 +2892,7 @@
           <p:cNvPr id="4" name="Дата 3">
             <a:extLst>
               <a:ext uri="{FF2B5EF4-FFF2-40B4-BE49-F238E27FC236}">
-                <a16:creationId xmlns:a16="http://schemas.microsoft.com/office/drawing/2014/main" id="{4BDCF6B4-0497-4F8A-BB68-1D2E4628EFB3}"/>
+                <a16:creationId xmlns:a16="http://schemas.microsoft.com/office/drawing/2014/main" id="{F5CD12B0-EC55-4350-9D99-059BF41A4C38}"/>
               </a:ext>
             </a:extLst>
           </p:cNvPr>
@@ -2920,7 +2939,7 @@
           <p:cNvPr id="5" name="Нижний колонтитул 4">
             <a:extLst>
               <a:ext uri="{FF2B5EF4-FFF2-40B4-BE49-F238E27FC236}">
-                <a16:creationId xmlns:a16="http://schemas.microsoft.com/office/drawing/2014/main" id="{7898C974-A76F-46C3-9AAE-A5DE3A38B4A9}"/>
+                <a16:creationId xmlns:a16="http://schemas.microsoft.com/office/drawing/2014/main" id="{DF18FCE4-7DB3-43C6-8B77-3ED57B6895AD}"/>
               </a:ext>
             </a:extLst>
           </p:cNvPr>
@@ -2963,7 +2982,7 @@
           <p:cNvPr id="6" name="Номер слайда 5">
             <a:extLst>
               <a:ext uri="{FF2B5EF4-FFF2-40B4-BE49-F238E27FC236}">
-                <a16:creationId xmlns:a16="http://schemas.microsoft.com/office/drawing/2014/main" id="{B1763364-9571-4795-8CBE-8CF65C35BD02}"/>
+                <a16:creationId xmlns:a16="http://schemas.microsoft.com/office/drawing/2014/main" id="{F00533F3-1A7B-4166-9548-1C5CF2B41F09}"/>
               </a:ext>
             </a:extLst>
           </p:cNvPr>
@@ -3008,23 +3027,23 @@
     </p:spTree>
     <p:extLst>
       <p:ext uri="{BB962C8B-B14F-4D97-AF65-F5344CB8AC3E}">
-        <p14:creationId xmlns:p14="http://schemas.microsoft.com/office/powerpoint/2010/main" val="627713678"/>
+        <p14:creationId xmlns:p14="http://schemas.microsoft.com/office/powerpoint/2010/main" val="2540276111"/>
       </p:ext>
     </p:extLst>
   </p:cSld>
   <p:clrMap bg1="lt1" tx1="dk1" bg2="lt2" tx2="dk2" accent1="accent1" accent2="accent2" accent3="accent3" accent4="accent4" accent5="accent5" accent6="accent6" hlink="hlink" folHlink="folHlink"/>
   <p:sldLayoutIdLst>
-    <p:sldLayoutId id="2147483649" r:id="rId1"/>
-    <p:sldLayoutId id="2147483650" r:id="rId2"/>
-    <p:sldLayoutId id="2147483651" r:id="rId3"/>
-    <p:sldLayoutId id="2147483652" r:id="rId4"/>
-    <p:sldLayoutId id="2147483653" r:id="rId5"/>
-    <p:sldLayoutId id="2147483654" r:id="rId6"/>
-    <p:sldLayoutId id="2147483655" r:id="rId7"/>
-    <p:sldLayoutId id="2147483656" r:id="rId8"/>
-    <p:sldLayoutId id="2147483657" r:id="rId9"/>
-    <p:sldLayoutId id="2147483658" r:id="rId10"/>
-    <p:sldLayoutId id="2147483659" r:id="rId11"/>
+    <p:sldLayoutId id="2147483721" r:id="rId1"/>
+    <p:sldLayoutId id="2147483722" r:id="rId2"/>
+    <p:sldLayoutId id="2147483723" r:id="rId3"/>
+    <p:sldLayoutId id="2147483724" r:id="rId4"/>
+    <p:sldLayoutId id="2147483725" r:id="rId5"/>
+    <p:sldLayoutId id="2147483726" r:id="rId6"/>
+    <p:sldLayoutId id="2147483727" r:id="rId7"/>
+    <p:sldLayoutId id="2147483728" r:id="rId8"/>
+    <p:sldLayoutId id="2147483729" r:id="rId9"/>
+    <p:sldLayoutId id="2147483730" r:id="rId10"/>
+    <p:sldLayoutId id="2147483731" r:id="rId11"/>
   </p:sldLayoutIdLst>
   <p:txStyles>
     <p:titleStyle>
@@ -3306,6 +3325,11 @@
       </a:lvl9pPr>
     </p:otherStyle>
   </p:txStyles>
+  <p:extLst>
+    <p:ext uri="{27BBF7A9-308A-43DC-89C8-2F10F3537804}">
+      <p15:sldGuideLst xmlns:p15="http://schemas.microsoft.com/office/powerpoint/2012/main"/>
+    </p:ext>
+  </p:extLst>
 </p:sldMaster>
 </file>
 
@@ -3336,7 +3360,7 @@
       </p:grpSpPr>
       <p:sp useBgFill="1">
         <p:nvSpPr>
-          <p:cNvPr id="8" name="Rectangle 7">
+          <p:cNvPr id="7" name="Rectangle 6">
             <a:extLst>
               <a:ext uri="{FF2B5EF4-FFF2-40B4-BE49-F238E27FC236}">
                 <a16:creationId xmlns:a16="http://schemas.microsoft.com/office/drawing/2014/main" id="{559AE206-7EBA-4D33-8BC9-9D8158553F0E}"/>
@@ -3461,7 +3485,7 @@
       </p:sp>
       <p:sp>
         <p:nvSpPr>
-          <p:cNvPr id="10" name="Oval 9">
+          <p:cNvPr id="9" name="Oval 8">
             <a:extLst>
               <a:ext uri="{FF2B5EF4-FFF2-40B4-BE49-F238E27FC236}">
                 <a16:creationId xmlns:a16="http://schemas.microsoft.com/office/drawing/2014/main" id="{6437D937-A7F1-4011-92B4-328E5BE1B166}"/>
@@ -3553,7 +3577,7 @@
       </p:sp>
       <p:sp>
         <p:nvSpPr>
-          <p:cNvPr id="12" name="Oval 11">
+          <p:cNvPr id="11" name="Oval 10">
             <a:extLst>
               <a:ext uri="{FF2B5EF4-FFF2-40B4-BE49-F238E27FC236}">
                 <a16:creationId xmlns:a16="http://schemas.microsoft.com/office/drawing/2014/main" id="{B672F332-AF08-46C6-94F0-77684310D7B7}"/>
@@ -3645,7 +3669,7 @@
       </p:sp>
       <p:sp>
         <p:nvSpPr>
-          <p:cNvPr id="14" name="Oval 13">
+          <p:cNvPr id="13" name="Oval 12">
             <a:extLst>
               <a:ext uri="{FF2B5EF4-FFF2-40B4-BE49-F238E27FC236}">
                 <a16:creationId xmlns:a16="http://schemas.microsoft.com/office/drawing/2014/main" id="{34244EF8-D73A-40E1-BE73-D46E6B4B04ED}"/>
@@ -3737,7 +3761,7 @@
       </p:sp>
       <p:sp>
         <p:nvSpPr>
-          <p:cNvPr id="16" name="Freeform: Shape 15">
+          <p:cNvPr id="15" name="Freeform: Shape 14">
             <a:extLst>
               <a:ext uri="{FF2B5EF4-FFF2-40B4-BE49-F238E27FC236}">
                 <a16:creationId xmlns:a16="http://schemas.microsoft.com/office/drawing/2014/main" id="{AB84D7E8-4ECB-42D7-ADBF-01689B0F24AE}"/>
@@ -3892,7 +3916,7 @@
       </p:sp>
       <p:cxnSp>
         <p:nvCxnSpPr>
-          <p:cNvPr id="18" name="Straight Connector 17">
+          <p:cNvPr id="17" name="Straight Connector 16">
             <a:extLst>
               <a:ext uri="{FF2B5EF4-FFF2-40B4-BE49-F238E27FC236}">
                 <a16:creationId xmlns:a16="http://schemas.microsoft.com/office/drawing/2014/main" id="{9E8E38ED-369A-44C2-B635-0BED0E48A6E8}"/>
@@ -3946,6 +3970,112 @@
     <p:extLst>
       <p:ext uri="{BB962C8B-B14F-4D97-AF65-F5344CB8AC3E}">
         <p14:creationId xmlns:p14="http://schemas.microsoft.com/office/powerpoint/2010/main" val="4041415193"/>
+      </p:ext>
+    </p:extLst>
+  </p:cSld>
+  <p:clrMapOvr>
+    <a:masterClrMapping/>
+  </p:clrMapOvr>
+</p:sld>
+</file>
+
+<file path=ppt/slides/slide10.xml><?xml version="1.0" encoding="utf-8"?>
+<p:sld xmlns:a="http://schemas.openxmlformats.org/drawingml/2006/main" xmlns:r="http://schemas.openxmlformats.org/officeDocument/2006/relationships" xmlns:p="http://schemas.openxmlformats.org/presentationml/2006/main">
+  <p:cSld>
+    <p:spTree>
+      <p:nvGrpSpPr>
+        <p:cNvPr id="1" name=""/>
+        <p:cNvGrpSpPr/>
+        <p:nvPr/>
+      </p:nvGrpSpPr>
+      <p:grpSpPr>
+        <a:xfrm>
+          <a:off x="0" y="0"/>
+          <a:ext cx="0" cy="0"/>
+          <a:chOff x="0" y="0"/>
+          <a:chExt cx="0" cy="0"/>
+        </a:xfrm>
+      </p:grpSpPr>
+      <p:sp>
+        <p:nvSpPr>
+          <p:cNvPr id="2" name="Заголовок 1">
+            <a:extLst>
+              <a:ext uri="{FF2B5EF4-FFF2-40B4-BE49-F238E27FC236}">
+                <a16:creationId xmlns:a16="http://schemas.microsoft.com/office/drawing/2014/main" id="{74E3C964-1441-4B0F-B5F1-FEFF39B978B0}"/>
+              </a:ext>
+            </a:extLst>
+          </p:cNvPr>
+          <p:cNvSpPr>
+            <a:spLocks noGrp="1"/>
+          </p:cNvSpPr>
+          <p:nvPr>
+            <p:ph type="title"/>
+          </p:nvPr>
+        </p:nvSpPr>
+        <p:spPr/>
+        <p:txBody>
+          <a:bodyPr/>
+          <a:lstStyle/>
+          <a:p>
+            <a:r>
+              <a:rPr lang="ru-RU" dirty="0"/>
+              <a:t>Анализ полученных результатов</a:t>
+            </a:r>
+          </a:p>
+        </p:txBody>
+      </p:sp>
+      <p:sp>
+        <p:nvSpPr>
+          <p:cNvPr id="3" name="Объект 2">
+            <a:extLst>
+              <a:ext uri="{FF2B5EF4-FFF2-40B4-BE49-F238E27FC236}">
+                <a16:creationId xmlns:a16="http://schemas.microsoft.com/office/drawing/2014/main" id="{43A57B7C-EE46-4C34-86EA-B6D690A8476E}"/>
+              </a:ext>
+            </a:extLst>
+          </p:cNvPr>
+          <p:cNvSpPr>
+            <a:spLocks noGrp="1"/>
+          </p:cNvSpPr>
+          <p:nvPr>
+            <p:ph idx="1"/>
+          </p:nvPr>
+        </p:nvSpPr>
+        <p:spPr/>
+        <p:txBody>
+          <a:bodyPr/>
+          <a:lstStyle/>
+          <a:p>
+            <a:pPr marL="0" indent="0">
+              <a:buNone/>
+            </a:pPr>
+            <a:r>
+              <a:rPr lang="ru-RU" dirty="0"/>
+              <a:t>На графиках переходных процессов можно наблюдать зависимость  </a:t>
+            </a:r>
+            <a:r>
+              <a:rPr lang="ru-RU" dirty="0" err="1"/>
+              <a:t>скаважности</a:t>
+            </a:r>
+            <a:r>
+              <a:rPr lang="ru-RU" dirty="0"/>
+              <a:t> выходного сигнала от управляющего напряжения.</a:t>
+            </a:r>
+          </a:p>
+          <a:p>
+            <a:pPr marL="0" indent="0">
+              <a:buNone/>
+            </a:pPr>
+            <a:r>
+              <a:rPr lang="ru-RU" dirty="0"/>
+              <a:t>Также можно наблюдать, что при низком управляющем сигнале  отсутствуют выходные импульсы.</a:t>
+            </a:r>
+          </a:p>
+        </p:txBody>
+      </p:sp>
+    </p:spTree>
+    <p:extLst>
+      <p:ext uri="{BB962C8B-B14F-4D97-AF65-F5344CB8AC3E}">
+        <p14:creationId xmlns:p14="http://schemas.microsoft.com/office/powerpoint/2010/main" val="2759336586"/>
       </p:ext>
     </p:extLst>
   </p:cSld>
@@ -6045,7 +6175,7 @@
           <p:cNvPr id="2" name="Заголовок 1">
             <a:extLst>
               <a:ext uri="{FF2B5EF4-FFF2-40B4-BE49-F238E27FC236}">
-                <a16:creationId xmlns:a16="http://schemas.microsoft.com/office/drawing/2014/main" id="{024D20A3-FE08-4F83-84B1-EAE95DB97D7C}"/>
+                <a16:creationId xmlns:a16="http://schemas.microsoft.com/office/drawing/2014/main" id="{CB80746B-422A-4A45-862A-54A1DAD2764D}"/>
               </a:ext>
             </a:extLst>
           </p:cNvPr>
@@ -6061,16 +6191,346 @@
           <a:bodyPr/>
           <a:lstStyle/>
           <a:p>
-            <a:endParaRPr lang="ru-RU"/>
-          </a:p>
-        </p:txBody>
-      </p:sp>
-      <p:sp>
-        <p:nvSpPr>
-          <p:cNvPr id="3" name="Объект 2">
-            <a:extLst>
-              <a:ext uri="{FF2B5EF4-FFF2-40B4-BE49-F238E27FC236}">
-                <a16:creationId xmlns:a16="http://schemas.microsoft.com/office/drawing/2014/main" id="{C546CC60-1CD6-469A-B945-B5804B874C02}"/>
+            <a:r>
+              <a:rPr lang="ru-RU" dirty="0"/>
+              <a:t>Моделирование ШИМ</a:t>
+            </a:r>
+          </a:p>
+        </p:txBody>
+      </p:sp>
+      <mc:AlternateContent xmlns:mc="http://schemas.openxmlformats.org/markup-compatibility/2006">
+        <mc:Choice xmlns:a14="http://schemas.microsoft.com/office/drawing/2010/main" Requires="a14">
+          <p:sp>
+            <p:nvSpPr>
+              <p:cNvPr id="3" name="Объект 2">
+                <a:extLst>
+                  <a:ext uri="{FF2B5EF4-FFF2-40B4-BE49-F238E27FC236}">
+                    <a16:creationId xmlns:a16="http://schemas.microsoft.com/office/drawing/2014/main" id="{7A005CC3-DE00-4C93-A82B-82ABA5E7DB3F}"/>
+                  </a:ext>
+                </a:extLst>
+              </p:cNvPr>
+              <p:cNvSpPr>
+                <a:spLocks noGrp="1"/>
+              </p:cNvSpPr>
+              <p:nvPr>
+                <p:ph idx="1"/>
+              </p:nvPr>
+            </p:nvSpPr>
+            <p:spPr/>
+            <p:txBody>
+              <a:bodyPr/>
+              <a:lstStyle/>
+              <a:p>
+                <a:pPr marL="0" indent="0">
+                  <a:buNone/>
+                </a:pPr>
+                <a:r>
+                  <a:rPr lang="ru-RU" dirty="0"/>
+                  <a:t>Смоделируем ШИМ частотой в 5кГц. </a:t>
+                </a:r>
+              </a:p>
+              <a:p>
+                <a:pPr marL="0" indent="0">
+                  <a:buNone/>
+                </a:pPr>
+                <a:r>
+                  <a:rPr lang="ru-RU" dirty="0"/>
+                  <a:t>Период можно найти по следующей формуле:</a:t>
+                </a:r>
+              </a:p>
+              <a:p>
+                <a:pPr marL="0" indent="0" algn="ctr">
+                  <a:buNone/>
+                </a:pPr>
+                <a14:m>
+                  <m:oMathPara xmlns:m="http://schemas.openxmlformats.org/officeDocument/2006/math">
+                    <m:oMathParaPr>
+                      <m:jc m:val="centerGroup"/>
+                    </m:oMathParaPr>
+                    <m:oMath xmlns:m="http://schemas.openxmlformats.org/officeDocument/2006/math">
+                      <m:r>
+                        <a:rPr lang="en-US" b="0" i="1" smtClean="0">
+                          <a:latin typeface="Cambria Math" panose="02040503050406030204" pitchFamily="18" charset="0"/>
+                        </a:rPr>
+                        <m:t>𝑇</m:t>
+                      </m:r>
+                      <m:r>
+                        <a:rPr lang="en-US" b="0" i="1" smtClean="0">
+                          <a:latin typeface="Cambria Math" panose="02040503050406030204" pitchFamily="18" charset="0"/>
+                        </a:rPr>
+                        <m:t>=1,388∗</m:t>
+                      </m:r>
+                      <m:sSub>
+                        <m:sSubPr>
+                          <m:ctrlPr>
+                            <a:rPr lang="en-US" b="0" i="1" smtClean="0">
+                              <a:latin typeface="Cambria Math" panose="02040503050406030204" pitchFamily="18" charset="0"/>
+                            </a:rPr>
+                          </m:ctrlPr>
+                        </m:sSubPr>
+                        <m:e>
+                          <m:r>
+                            <a:rPr lang="en-US" b="0" i="1" smtClean="0">
+                              <a:latin typeface="Cambria Math" panose="02040503050406030204" pitchFamily="18" charset="0"/>
+                            </a:rPr>
+                            <m:t>𝑅</m:t>
+                          </m:r>
+                        </m:e>
+                        <m:sub>
+                          <m:r>
+                            <a:rPr lang="en-US" b="0" i="1" smtClean="0">
+                              <a:latin typeface="Cambria Math" panose="02040503050406030204" pitchFamily="18" charset="0"/>
+                            </a:rPr>
+                            <m:t>𝑡</m:t>
+                          </m:r>
+                        </m:sub>
+                      </m:sSub>
+                      <m:r>
+                        <a:rPr lang="en-US" b="0" i="1" smtClean="0">
+                          <a:latin typeface="Cambria Math" panose="02040503050406030204" pitchFamily="18" charset="0"/>
+                        </a:rPr>
+                        <m:t>∗</m:t>
+                      </m:r>
+                      <m:sSub>
+                        <m:sSubPr>
+                          <m:ctrlPr>
+                            <a:rPr lang="en-US" b="0" i="1" smtClean="0">
+                              <a:latin typeface="Cambria Math" panose="02040503050406030204" pitchFamily="18" charset="0"/>
+                            </a:rPr>
+                          </m:ctrlPr>
+                        </m:sSubPr>
+                        <m:e>
+                          <m:r>
+                            <a:rPr lang="en-US" b="0" i="1" smtClean="0">
+                              <a:latin typeface="Cambria Math" panose="02040503050406030204" pitchFamily="18" charset="0"/>
+                            </a:rPr>
+                            <m:t>𝐶</m:t>
+                          </m:r>
+                        </m:e>
+                        <m:sub>
+                          <m:r>
+                            <a:rPr lang="en-US" b="0" i="1" smtClean="0">
+                              <a:latin typeface="Cambria Math" panose="02040503050406030204" pitchFamily="18" charset="0"/>
+                            </a:rPr>
+                            <m:t>𝑡</m:t>
+                          </m:r>
+                        </m:sub>
+                      </m:sSub>
+                    </m:oMath>
+                  </m:oMathPara>
+                </a14:m>
+                <a:endParaRPr lang="ru-RU" dirty="0"/>
+              </a:p>
+              <a:p>
+                <a:pPr marL="0" indent="0">
+                  <a:buNone/>
+                </a:pPr>
+                <a:r>
+                  <a:rPr lang="ru-RU" dirty="0"/>
+                  <a:t>Поставим конденсатор на 1нФ и исходя из того, что частота –величина обратная периоду, найдем сопротивление:</a:t>
+                </a:r>
+              </a:p>
+              <a:p>
+                <a:pPr marL="0" indent="0" algn="ctr">
+                  <a:buNone/>
+                </a:pPr>
+                <a14:m>
+                  <m:oMathPara xmlns:m="http://schemas.openxmlformats.org/officeDocument/2006/math">
+                    <m:oMathParaPr>
+                      <m:jc m:val="centerGroup"/>
+                    </m:oMathParaPr>
+                    <m:oMath xmlns:m="http://schemas.openxmlformats.org/officeDocument/2006/math">
+                      <m:sSub>
+                        <m:sSubPr>
+                          <m:ctrlPr>
+                            <a:rPr lang="ru-RU" i="1" smtClean="0">
+                              <a:latin typeface="Cambria Math" panose="02040503050406030204" pitchFamily="18" charset="0"/>
+                            </a:rPr>
+                          </m:ctrlPr>
+                        </m:sSubPr>
+                        <m:e>
+                          <m:r>
+                            <a:rPr lang="en-US" b="0" i="1" smtClean="0">
+                              <a:latin typeface="Cambria Math" panose="02040503050406030204" pitchFamily="18" charset="0"/>
+                            </a:rPr>
+                            <m:t>𝑅</m:t>
+                          </m:r>
+                        </m:e>
+                        <m:sub>
+                          <m:r>
+                            <a:rPr lang="en-US" b="0" i="1" smtClean="0">
+                              <a:latin typeface="Cambria Math" panose="02040503050406030204" pitchFamily="18" charset="0"/>
+                            </a:rPr>
+                            <m:t>𝑡</m:t>
+                          </m:r>
+                        </m:sub>
+                      </m:sSub>
+                      <m:r>
+                        <a:rPr lang="en-US" b="0" i="1" smtClean="0">
+                          <a:latin typeface="Cambria Math" panose="02040503050406030204" pitchFamily="18" charset="0"/>
+                        </a:rPr>
+                        <m:t>=</m:t>
+                      </m:r>
+                      <m:f>
+                        <m:fPr>
+                          <m:ctrlPr>
+                            <a:rPr lang="en-US" b="0" i="1" smtClean="0">
+                              <a:latin typeface="Cambria Math" panose="02040503050406030204" pitchFamily="18" charset="0"/>
+                            </a:rPr>
+                          </m:ctrlPr>
+                        </m:fPr>
+                        <m:num>
+                          <m:r>
+                            <a:rPr lang="ru-RU" b="0" i="1" smtClean="0">
+                              <a:latin typeface="Cambria Math" panose="02040503050406030204" pitchFamily="18" charset="0"/>
+                            </a:rPr>
+                            <m:t>1</m:t>
+                          </m:r>
+                        </m:num>
+                        <m:den>
+                          <m:r>
+                            <a:rPr lang="en-US" b="0" i="1" smtClean="0">
+                              <a:latin typeface="Cambria Math" panose="02040503050406030204" pitchFamily="18" charset="0"/>
+                            </a:rPr>
+                            <m:t>5000</m:t>
+                          </m:r>
+                          <m:r>
+                            <a:rPr lang="ru-RU" b="0" i="1" smtClean="0">
+                              <a:latin typeface="Cambria Math" panose="02040503050406030204" pitchFamily="18" charset="0"/>
+                            </a:rPr>
+                            <m:t>Гц∗</m:t>
+                          </m:r>
+                          <m:sSup>
+                            <m:sSupPr>
+                              <m:ctrlPr>
+                                <a:rPr lang="ru-RU" b="0" i="1" smtClean="0">
+                                  <a:latin typeface="Cambria Math" panose="02040503050406030204" pitchFamily="18" charset="0"/>
+                                </a:rPr>
+                              </m:ctrlPr>
+                            </m:sSupPr>
+                            <m:e>
+                              <m:r>
+                                <a:rPr lang="ru-RU" b="0" i="1" smtClean="0">
+                                  <a:latin typeface="Cambria Math" panose="02040503050406030204" pitchFamily="18" charset="0"/>
+                                </a:rPr>
+                                <m:t>10</m:t>
+                              </m:r>
+                            </m:e>
+                            <m:sup>
+                              <m:r>
+                                <a:rPr lang="ru-RU" b="0" i="1" smtClean="0">
+                                  <a:latin typeface="Cambria Math" panose="02040503050406030204" pitchFamily="18" charset="0"/>
+                                </a:rPr>
+                                <m:t>−9</m:t>
+                              </m:r>
+                            </m:sup>
+                          </m:sSup>
+                          <m:r>
+                            <a:rPr lang="ru-RU" b="0" i="1" smtClean="0">
+                              <a:latin typeface="Cambria Math" panose="02040503050406030204" pitchFamily="18" charset="0"/>
+                            </a:rPr>
+                            <m:t>Ф∗1,388</m:t>
+                          </m:r>
+                        </m:den>
+                      </m:f>
+                      <m:r>
+                        <a:rPr lang="en-US" b="0" i="1" smtClean="0">
+                          <a:latin typeface="Cambria Math" panose="02040503050406030204" pitchFamily="18" charset="0"/>
+                          <a:ea typeface="Cambria Math" panose="02040503050406030204" pitchFamily="18" charset="0"/>
+                        </a:rPr>
+                        <m:t>≈</m:t>
+                      </m:r>
+                      <m:r>
+                        <a:rPr lang="ru-RU" b="0" i="1" smtClean="0">
+                          <a:latin typeface="Cambria Math" panose="02040503050406030204" pitchFamily="18" charset="0"/>
+                          <a:ea typeface="Cambria Math" panose="02040503050406030204" pitchFamily="18" charset="0"/>
+                        </a:rPr>
+                        <m:t>150кОм</m:t>
+                      </m:r>
+                    </m:oMath>
+                  </m:oMathPara>
+                </a14:m>
+                <a:endParaRPr lang="ru-RU" dirty="0"/>
+              </a:p>
+            </p:txBody>
+          </p:sp>
+        </mc:Choice>
+        <mc:Fallback>
+          <p:sp>
+            <p:nvSpPr>
+              <p:cNvPr id="3" name="Объект 2">
+                <a:extLst>
+                  <a:ext uri="{FF2B5EF4-FFF2-40B4-BE49-F238E27FC236}">
+                    <a16:creationId xmlns:a16="http://schemas.microsoft.com/office/drawing/2014/main" id="{7A005CC3-DE00-4C93-A82B-82ABA5E7DB3F}"/>
+                  </a:ext>
+                </a:extLst>
+              </p:cNvPr>
+              <p:cNvSpPr>
+                <a:spLocks noGrp="1" noRot="1" noChangeAspect="1" noMove="1" noResize="1" noEditPoints="1" noAdjustHandles="1" noChangeArrowheads="1" noChangeShapeType="1" noTextEdit="1"/>
+              </p:cNvSpPr>
+              <p:nvPr>
+                <p:ph idx="1"/>
+              </p:nvPr>
+            </p:nvSpPr>
+            <p:spPr>
+              <a:blipFill>
+                <a:blip r:embed="rId2"/>
+                <a:stretch>
+                  <a:fillRect l="-1217" t="-2241"/>
+                </a:stretch>
+              </a:blipFill>
+            </p:spPr>
+            <p:txBody>
+              <a:bodyPr/>
+              <a:lstStyle/>
+              <a:p>
+                <a:r>
+                  <a:rPr lang="ru-RU">
+                    <a:noFill/>
+                  </a:rPr>
+                  <a:t> </a:t>
+                </a:r>
+              </a:p>
+            </p:txBody>
+          </p:sp>
+        </mc:Fallback>
+      </mc:AlternateContent>
+    </p:spTree>
+    <p:extLst>
+      <p:ext uri="{BB962C8B-B14F-4D97-AF65-F5344CB8AC3E}">
+        <p14:creationId xmlns:p14="http://schemas.microsoft.com/office/powerpoint/2010/main" val="1135770302"/>
+      </p:ext>
+    </p:extLst>
+  </p:cSld>
+  <p:clrMapOvr>
+    <a:masterClrMapping/>
+  </p:clrMapOvr>
+</p:sld>
+</file>
+
+<file path=ppt/slides/slide7.xml><?xml version="1.0" encoding="utf-8"?>
+<p:sld xmlns:a="http://schemas.openxmlformats.org/drawingml/2006/main" xmlns:r="http://schemas.openxmlformats.org/officeDocument/2006/relationships" xmlns:p="http://schemas.openxmlformats.org/presentationml/2006/main">
+  <p:cSld>
+    <p:spTree>
+      <p:nvGrpSpPr>
+        <p:cNvPr id="1" name=""/>
+        <p:cNvGrpSpPr/>
+        <p:nvPr/>
+      </p:nvGrpSpPr>
+      <p:grpSpPr>
+        <a:xfrm>
+          <a:off x="0" y="0"/>
+          <a:ext cx="0" cy="0"/>
+          <a:chOff x="0" y="0"/>
+          <a:chExt cx="0" cy="0"/>
+        </a:xfrm>
+      </p:grpSpPr>
+      <p:sp>
+        <p:nvSpPr>
+          <p:cNvPr id="2" name="Заголовок 1">
+            <a:extLst>
+              <a:ext uri="{FF2B5EF4-FFF2-40B4-BE49-F238E27FC236}">
+                <a16:creationId xmlns:a16="http://schemas.microsoft.com/office/drawing/2014/main" id="{024D20A3-FE08-4F83-84B1-EAE95DB97D7C}"/>
               </a:ext>
             </a:extLst>
           </p:cNvPr>
@@ -6078,7 +6538,7 @@
             <a:spLocks noGrp="1"/>
           </p:cNvSpPr>
           <p:nvPr>
-            <p:ph idx="1"/>
+            <p:ph type="title"/>
           </p:nvPr>
         </p:nvSpPr>
         <p:spPr/>
@@ -6086,14 +6546,261 @@
           <a:bodyPr/>
           <a:lstStyle/>
           <a:p>
-            <a:endParaRPr lang="ru-RU"/>
-          </a:p>
-        </p:txBody>
-      </p:sp>
+            <a:r>
+              <a:rPr lang="ru-RU" dirty="0"/>
+              <a:t>Схема ШИМ</a:t>
+            </a:r>
+            <a:r>
+              <a:rPr lang="en-US" dirty="0"/>
+              <a:t> </a:t>
+            </a:r>
+            <a:r>
+              <a:rPr lang="ru-RU" dirty="0"/>
+              <a:t>в </a:t>
+            </a:r>
+            <a:r>
+              <a:rPr lang="en-US" dirty="0" err="1"/>
+              <a:t>microCap</a:t>
+            </a:r>
+            <a:endParaRPr lang="ru-RU" dirty="0"/>
+          </a:p>
+        </p:txBody>
+      </p:sp>
+      <p:pic>
+        <p:nvPicPr>
+          <p:cNvPr id="6" name="Рисунок 5">
+            <a:extLst>
+              <a:ext uri="{FF2B5EF4-FFF2-40B4-BE49-F238E27FC236}">
+                <a16:creationId xmlns:a16="http://schemas.microsoft.com/office/drawing/2014/main" id="{8B75CCAA-2B00-4FB4-8265-4EE0383B5B6C}"/>
+              </a:ext>
+            </a:extLst>
+          </p:cNvPr>
+          <p:cNvPicPr>
+            <a:picLocks noChangeAspect="1"/>
+          </p:cNvPicPr>
+          <p:nvPr/>
+        </p:nvPicPr>
+        <p:blipFill>
+          <a:blip r:embed="rId2"/>
+          <a:stretch>
+            <a:fillRect/>
+          </a:stretch>
+        </p:blipFill>
+        <p:spPr>
+          <a:xfrm>
+            <a:off x="2095500" y="1690688"/>
+            <a:ext cx="8001000" cy="4800600"/>
+          </a:xfrm>
+          <a:prstGeom prst="rect">
+            <a:avLst/>
+          </a:prstGeom>
+        </p:spPr>
+      </p:pic>
     </p:spTree>
     <p:extLst>
       <p:ext uri="{BB962C8B-B14F-4D97-AF65-F5344CB8AC3E}">
         <p14:creationId xmlns:p14="http://schemas.microsoft.com/office/powerpoint/2010/main" val="3492503047"/>
+      </p:ext>
+    </p:extLst>
+  </p:cSld>
+  <p:clrMapOvr>
+    <a:masterClrMapping/>
+  </p:clrMapOvr>
+</p:sld>
+</file>
+
+<file path=ppt/slides/slide8.xml><?xml version="1.0" encoding="utf-8"?>
+<p:sld xmlns:a="http://schemas.openxmlformats.org/drawingml/2006/main" xmlns:r="http://schemas.openxmlformats.org/officeDocument/2006/relationships" xmlns:p="http://schemas.openxmlformats.org/presentationml/2006/main">
+  <p:cSld>
+    <p:spTree>
+      <p:nvGrpSpPr>
+        <p:cNvPr id="1" name=""/>
+        <p:cNvGrpSpPr/>
+        <p:nvPr/>
+      </p:nvGrpSpPr>
+      <p:grpSpPr>
+        <a:xfrm>
+          <a:off x="0" y="0"/>
+          <a:ext cx="0" cy="0"/>
+          <a:chOff x="0" y="0"/>
+          <a:chExt cx="0" cy="0"/>
+        </a:xfrm>
+      </p:grpSpPr>
+      <p:sp>
+        <p:nvSpPr>
+          <p:cNvPr id="2" name="Заголовок 1">
+            <a:extLst>
+              <a:ext uri="{FF2B5EF4-FFF2-40B4-BE49-F238E27FC236}">
+                <a16:creationId xmlns:a16="http://schemas.microsoft.com/office/drawing/2014/main" id="{6C89F2B3-63F1-4336-BDB9-52AFCBC4AFC7}"/>
+              </a:ext>
+            </a:extLst>
+          </p:cNvPr>
+          <p:cNvSpPr>
+            <a:spLocks noGrp="1"/>
+          </p:cNvSpPr>
+          <p:nvPr>
+            <p:ph type="title"/>
+          </p:nvPr>
+        </p:nvSpPr>
+        <p:spPr/>
+        <p:txBody>
+          <a:bodyPr/>
+          <a:lstStyle/>
+          <a:p>
+            <a:r>
+              <a:rPr lang="ru-RU" dirty="0"/>
+              <a:t>График переходных процессов</a:t>
+            </a:r>
+          </a:p>
+        </p:txBody>
+      </p:sp>
+      <p:pic>
+        <p:nvPicPr>
+          <p:cNvPr id="5" name="Рисунок 4">
+            <a:extLst>
+              <a:ext uri="{FF2B5EF4-FFF2-40B4-BE49-F238E27FC236}">
+                <a16:creationId xmlns:a16="http://schemas.microsoft.com/office/drawing/2014/main" id="{716DAF05-9986-4FCC-95A8-6B855E74196A}"/>
+              </a:ext>
+            </a:extLst>
+          </p:cNvPr>
+          <p:cNvPicPr>
+            <a:picLocks noChangeAspect="1"/>
+          </p:cNvPicPr>
+          <p:nvPr/>
+        </p:nvPicPr>
+        <p:blipFill>
+          <a:blip r:embed="rId2"/>
+          <a:stretch>
+            <a:fillRect/>
+          </a:stretch>
+        </p:blipFill>
+        <p:spPr>
+          <a:xfrm>
+            <a:off x="0" y="1690688"/>
+            <a:ext cx="12192000" cy="4999080"/>
+          </a:xfrm>
+          <a:prstGeom prst="rect">
+            <a:avLst/>
+          </a:prstGeom>
+        </p:spPr>
+      </p:pic>
+    </p:spTree>
+    <p:extLst>
+      <p:ext uri="{BB962C8B-B14F-4D97-AF65-F5344CB8AC3E}">
+        <p14:creationId xmlns:p14="http://schemas.microsoft.com/office/powerpoint/2010/main" val="4186600807"/>
+      </p:ext>
+    </p:extLst>
+  </p:cSld>
+  <p:clrMapOvr>
+    <a:masterClrMapping/>
+  </p:clrMapOvr>
+</p:sld>
+</file>
+
+<file path=ppt/slides/slide9.xml><?xml version="1.0" encoding="utf-8"?>
+<p:sld xmlns:a="http://schemas.openxmlformats.org/drawingml/2006/main" xmlns:r="http://schemas.openxmlformats.org/officeDocument/2006/relationships" xmlns:p="http://schemas.openxmlformats.org/presentationml/2006/main">
+  <p:cSld>
+    <p:spTree>
+      <p:nvGrpSpPr>
+        <p:cNvPr id="1" name=""/>
+        <p:cNvGrpSpPr/>
+        <p:nvPr/>
+      </p:nvGrpSpPr>
+      <p:grpSpPr>
+        <a:xfrm>
+          <a:off x="0" y="0"/>
+          <a:ext cx="0" cy="0"/>
+          <a:chOff x="0" y="0"/>
+          <a:chExt cx="0" cy="0"/>
+        </a:xfrm>
+      </p:grpSpPr>
+      <p:sp>
+        <p:nvSpPr>
+          <p:cNvPr id="2" name="Заголовок 1">
+            <a:extLst>
+              <a:ext uri="{FF2B5EF4-FFF2-40B4-BE49-F238E27FC236}">
+                <a16:creationId xmlns:a16="http://schemas.microsoft.com/office/drawing/2014/main" id="{532D8A87-D9C7-4AEB-BB36-8B2C2C07582D}"/>
+              </a:ext>
+            </a:extLst>
+          </p:cNvPr>
+          <p:cNvSpPr>
+            <a:spLocks noGrp="1"/>
+          </p:cNvSpPr>
+          <p:nvPr>
+            <p:ph type="title"/>
+          </p:nvPr>
+        </p:nvSpPr>
+        <p:spPr/>
+        <p:txBody>
+          <a:bodyPr/>
+          <a:lstStyle/>
+          <a:p>
+            <a:r>
+              <a:rPr lang="ru-RU" dirty="0"/>
+              <a:t>График переходных процессов</a:t>
+            </a:r>
+          </a:p>
+        </p:txBody>
+      </p:sp>
+      <p:sp>
+        <p:nvSpPr>
+          <p:cNvPr id="3" name="Объект 2">
+            <a:extLst>
+              <a:ext uri="{FF2B5EF4-FFF2-40B4-BE49-F238E27FC236}">
+                <a16:creationId xmlns:a16="http://schemas.microsoft.com/office/drawing/2014/main" id="{EA6500DC-1CE1-4EFD-9981-6153DE14F0FD}"/>
+              </a:ext>
+            </a:extLst>
+          </p:cNvPr>
+          <p:cNvSpPr>
+            <a:spLocks noGrp="1"/>
+          </p:cNvSpPr>
+          <p:nvPr>
+            <p:ph idx="1"/>
+          </p:nvPr>
+        </p:nvSpPr>
+        <p:spPr/>
+        <p:txBody>
+          <a:bodyPr/>
+          <a:lstStyle/>
+          <a:p>
+            <a:endParaRPr lang="ru-RU"/>
+          </a:p>
+        </p:txBody>
+      </p:sp>
+      <p:pic>
+        <p:nvPicPr>
+          <p:cNvPr id="7" name="Рисунок 6">
+            <a:extLst>
+              <a:ext uri="{FF2B5EF4-FFF2-40B4-BE49-F238E27FC236}">
+                <a16:creationId xmlns:a16="http://schemas.microsoft.com/office/drawing/2014/main" id="{53343C38-B92D-4BD1-89A4-78FDF8CEEC80}"/>
+              </a:ext>
+            </a:extLst>
+          </p:cNvPr>
+          <p:cNvPicPr>
+            <a:picLocks noChangeAspect="1"/>
+          </p:cNvPicPr>
+          <p:nvPr/>
+        </p:nvPicPr>
+        <p:blipFill>
+          <a:blip r:embed="rId2"/>
+          <a:stretch>
+            <a:fillRect/>
+          </a:stretch>
+        </p:blipFill>
+        <p:spPr>
+          <a:xfrm>
+            <a:off x="0" y="1825625"/>
+            <a:ext cx="12192000" cy="4948782"/>
+          </a:xfrm>
+          <a:prstGeom prst="rect">
+            <a:avLst/>
+          </a:prstGeom>
+        </p:spPr>
+      </p:pic>
+    </p:spTree>
+    <p:extLst>
+      <p:ext uri="{BB962C8B-B14F-4D97-AF65-F5344CB8AC3E}">
+        <p14:creationId xmlns:p14="http://schemas.microsoft.com/office/powerpoint/2010/main" val="1919946052"/>
       </p:ext>
     </p:extLst>
   </p:cSld>

--- a/HomeWork_1/Prezentation/Широтно-импульсный модулятор на ОУ.pptx
+++ b/HomeWork_1/Prezentation/Широтно-импульсный модулятор на ОУ.pptx
@@ -113,6 +113,11 @@
       </a:defRPr>
     </a:lvl9pPr>
   </p:defaultTextStyle>
+  <p:extLst>
+    <p:ext uri="{EFAFB233-063F-42B5-8137-9DF3F51BA10A}">
+      <p15:sldGuideLst xmlns:p15="http://schemas.microsoft.com/office/powerpoint/2012/main"/>
+    </p:ext>
+  </p:extLst>
 </p:presentation>
 </file>
 
@@ -263,7 +268,7 @@
           <a:p>
             <a:fld id="{8B098D84-4632-4F19-84DA-8FBDBF326699}" type="datetimeFigureOut">
               <a:rPr lang="ru-RU" smtClean="0"/>
-              <a:t>12.10.2019</a:t>
+              <a:t>13.10.2019</a:t>
             </a:fld>
             <a:endParaRPr lang="ru-RU"/>
           </a:p>
@@ -461,7 +466,7 @@
           <a:p>
             <a:fld id="{8B098D84-4632-4F19-84DA-8FBDBF326699}" type="datetimeFigureOut">
               <a:rPr lang="ru-RU" smtClean="0"/>
-              <a:t>12.10.2019</a:t>
+              <a:t>13.10.2019</a:t>
             </a:fld>
             <a:endParaRPr lang="ru-RU"/>
           </a:p>
@@ -669,7 +674,7 @@
           <a:p>
             <a:fld id="{8B098D84-4632-4F19-84DA-8FBDBF326699}" type="datetimeFigureOut">
               <a:rPr lang="ru-RU" smtClean="0"/>
-              <a:t>12.10.2019</a:t>
+              <a:t>13.10.2019</a:t>
             </a:fld>
             <a:endParaRPr lang="ru-RU"/>
           </a:p>
@@ -867,7 +872,7 @@
           <a:p>
             <a:fld id="{8B098D84-4632-4F19-84DA-8FBDBF326699}" type="datetimeFigureOut">
               <a:rPr lang="ru-RU" smtClean="0"/>
-              <a:t>12.10.2019</a:t>
+              <a:t>13.10.2019</a:t>
             </a:fld>
             <a:endParaRPr lang="ru-RU"/>
           </a:p>
@@ -1142,7 +1147,7 @@
           <a:p>
             <a:fld id="{8B098D84-4632-4F19-84DA-8FBDBF326699}" type="datetimeFigureOut">
               <a:rPr lang="ru-RU" smtClean="0"/>
-              <a:t>12.10.2019</a:t>
+              <a:t>13.10.2019</a:t>
             </a:fld>
             <a:endParaRPr lang="ru-RU"/>
           </a:p>
@@ -1407,7 +1412,7 @@
           <a:p>
             <a:fld id="{8B098D84-4632-4F19-84DA-8FBDBF326699}" type="datetimeFigureOut">
               <a:rPr lang="ru-RU" smtClean="0"/>
-              <a:t>12.10.2019</a:t>
+              <a:t>13.10.2019</a:t>
             </a:fld>
             <a:endParaRPr lang="ru-RU"/>
           </a:p>
@@ -1824,7 +1829,7 @@
           <a:p>
             <a:fld id="{8B098D84-4632-4F19-84DA-8FBDBF326699}" type="datetimeFigureOut">
               <a:rPr lang="ru-RU" smtClean="0"/>
-              <a:t>12.10.2019</a:t>
+              <a:t>13.10.2019</a:t>
             </a:fld>
             <a:endParaRPr lang="ru-RU"/>
           </a:p>
@@ -1970,7 +1975,7 @@
           <a:p>
             <a:fld id="{8B098D84-4632-4F19-84DA-8FBDBF326699}" type="datetimeFigureOut">
               <a:rPr lang="ru-RU" smtClean="0"/>
-              <a:t>12.10.2019</a:t>
+              <a:t>13.10.2019</a:t>
             </a:fld>
             <a:endParaRPr lang="ru-RU"/>
           </a:p>
@@ -2083,7 +2088,7 @@
           <a:p>
             <a:fld id="{8B098D84-4632-4F19-84DA-8FBDBF326699}" type="datetimeFigureOut">
               <a:rPr lang="ru-RU" smtClean="0"/>
-              <a:t>12.10.2019</a:t>
+              <a:t>13.10.2019</a:t>
             </a:fld>
             <a:endParaRPr lang="ru-RU"/>
           </a:p>
@@ -2394,7 +2399,7 @@
           <a:p>
             <a:fld id="{8B098D84-4632-4F19-84DA-8FBDBF326699}" type="datetimeFigureOut">
               <a:rPr lang="ru-RU" smtClean="0"/>
-              <a:t>12.10.2019</a:t>
+              <a:t>13.10.2019</a:t>
             </a:fld>
             <a:endParaRPr lang="ru-RU"/>
           </a:p>
@@ -2687,7 +2692,7 @@
           <a:p>
             <a:fld id="{8B098D84-4632-4F19-84DA-8FBDBF326699}" type="datetimeFigureOut">
               <a:rPr lang="ru-RU" smtClean="0"/>
-              <a:t>12.10.2019</a:t>
+              <a:t>13.10.2019</a:t>
             </a:fld>
             <a:endParaRPr lang="ru-RU"/>
           </a:p>
@@ -2928,7 +2933,7 @@
           <a:p>
             <a:fld id="{8B098D84-4632-4F19-84DA-8FBDBF326699}" type="datetimeFigureOut">
               <a:rPr lang="ru-RU" smtClean="0"/>
-              <a:t>12.10.2019</a:t>
+              <a:t>13.10.2019</a:t>
             </a:fld>
             <a:endParaRPr lang="ru-RU"/>
           </a:p>
@@ -4633,10 +4638,10 @@
                               </m:e>
                               <m:sub>
                                 <m:r>
-                                  <a:rPr lang="en-US" b="0" i="1" smtClean="0">
+                                  <a:rPr lang="ru-RU" b="0" i="1" smtClean="0">
                                     <a:latin typeface="Cambria Math" panose="02040503050406030204" pitchFamily="18" charset="0"/>
                                   </a:rPr>
-                                  <m:t>1</m:t>
+                                  <m:t>2</m:t>
                                 </m:r>
                               </m:sub>
                             </m:sSub>
@@ -5531,8 +5536,8 @@
           <a:chExt cx="0" cy="0"/>
         </a:xfrm>
       </p:grpSpPr>
-      <mc:AlternateContent xmlns:mc="http://schemas.openxmlformats.org/markup-compatibility/2006">
-        <mc:Choice xmlns:a14="http://schemas.microsoft.com/office/drawing/2010/main" Requires="a14">
+      <mc:AlternateContent xmlns:mc="http://schemas.openxmlformats.org/markup-compatibility/2006" xmlns:a14="http://schemas.microsoft.com/office/drawing/2010/main">
+        <mc:Choice Requires="a14">
           <p:sp>
             <p:nvSpPr>
               <p:cNvPr id="3" name="Объект 2">
@@ -5871,7 +5876,7 @@
             </p:txBody>
           </p:sp>
         </mc:Choice>
-        <mc:Fallback>
+        <mc:Fallback xmlns="">
           <p:sp>
             <p:nvSpPr>
               <p:cNvPr id="3" name="Объект 2">
@@ -5945,8 +5950,8 @@
           <a:chExt cx="0" cy="0"/>
         </a:xfrm>
       </p:grpSpPr>
-      <mc:AlternateContent xmlns:mc="http://schemas.openxmlformats.org/markup-compatibility/2006">
-        <mc:Choice xmlns:a14="http://schemas.microsoft.com/office/drawing/2010/main" Requires="a14">
+      <mc:AlternateContent xmlns:mc="http://schemas.openxmlformats.org/markup-compatibility/2006" xmlns:a14="http://schemas.microsoft.com/office/drawing/2010/main">
+        <mc:Choice Requires="a14">
           <p:sp>
             <p:nvSpPr>
               <p:cNvPr id="3" name="Объект 2">
@@ -6066,7 +6071,7 @@
             </p:txBody>
           </p:sp>
         </mc:Choice>
-        <mc:Fallback>
+        <mc:Fallback xmlns="">
           <p:sp>
             <p:nvSpPr>
               <p:cNvPr id="3" name="Объект 2">
@@ -6198,8 +6203,8 @@
           </a:p>
         </p:txBody>
       </p:sp>
-      <mc:AlternateContent xmlns:mc="http://schemas.openxmlformats.org/markup-compatibility/2006">
-        <mc:Choice xmlns:a14="http://schemas.microsoft.com/office/drawing/2010/main" Requires="a14">
+      <mc:AlternateContent xmlns:mc="http://schemas.openxmlformats.org/markup-compatibility/2006" xmlns:a14="http://schemas.microsoft.com/office/drawing/2010/main">
+        <mc:Choice Requires="a14">
           <p:sp>
             <p:nvSpPr>
               <p:cNvPr id="3" name="Объект 2">
@@ -6455,7 +6460,7 @@
             </p:txBody>
           </p:sp>
         </mc:Choice>
-        <mc:Fallback>
+        <mc:Fallback xmlns="">
           <p:sp>
             <p:nvSpPr>
               <p:cNvPr id="3" name="Объект 2">
